--- a/notes/Python  Tut-01.pptx
+++ b/notes/Python  Tut-01.pptx
@@ -251,7 +251,7 @@
           <a:p>
             <a:fld id="{6B204C76-62AF-4A47-BD74-85C08E4F921E}" type="datetimeFigureOut">
               <a:rPr lang="en-IN" smtClean="0"/>
-              <a:t>22-06-2024</a:t>
+              <a:t>10-09-2024</a:t>
             </a:fld>
             <a:endParaRPr lang="en-IN"/>
           </a:p>
@@ -421,7 +421,7 @@
           <a:p>
             <a:fld id="{6B204C76-62AF-4A47-BD74-85C08E4F921E}" type="datetimeFigureOut">
               <a:rPr lang="en-IN" smtClean="0"/>
-              <a:t>22-06-2024</a:t>
+              <a:t>10-09-2024</a:t>
             </a:fld>
             <a:endParaRPr lang="en-IN"/>
           </a:p>
@@ -601,7 +601,7 @@
           <a:p>
             <a:fld id="{6B204C76-62AF-4A47-BD74-85C08E4F921E}" type="datetimeFigureOut">
               <a:rPr lang="en-IN" smtClean="0"/>
-              <a:t>22-06-2024</a:t>
+              <a:t>10-09-2024</a:t>
             </a:fld>
             <a:endParaRPr lang="en-IN"/>
           </a:p>
@@ -771,7 +771,7 @@
           <a:p>
             <a:fld id="{6B204C76-62AF-4A47-BD74-85C08E4F921E}" type="datetimeFigureOut">
               <a:rPr lang="en-IN" smtClean="0"/>
-              <a:t>22-06-2024</a:t>
+              <a:t>10-09-2024</a:t>
             </a:fld>
             <a:endParaRPr lang="en-IN"/>
           </a:p>
@@ -1017,7 +1017,7 @@
           <a:p>
             <a:fld id="{6B204C76-62AF-4A47-BD74-85C08E4F921E}" type="datetimeFigureOut">
               <a:rPr lang="en-IN" smtClean="0"/>
-              <a:t>22-06-2024</a:t>
+              <a:t>10-09-2024</a:t>
             </a:fld>
             <a:endParaRPr lang="en-IN"/>
           </a:p>
@@ -1249,7 +1249,7 @@
           <a:p>
             <a:fld id="{6B204C76-62AF-4A47-BD74-85C08E4F921E}" type="datetimeFigureOut">
               <a:rPr lang="en-IN" smtClean="0"/>
-              <a:t>22-06-2024</a:t>
+              <a:t>10-09-2024</a:t>
             </a:fld>
             <a:endParaRPr lang="en-IN"/>
           </a:p>
@@ -1616,7 +1616,7 @@
           <a:p>
             <a:fld id="{6B204C76-62AF-4A47-BD74-85C08E4F921E}" type="datetimeFigureOut">
               <a:rPr lang="en-IN" smtClean="0"/>
-              <a:t>22-06-2024</a:t>
+              <a:t>10-09-2024</a:t>
             </a:fld>
             <a:endParaRPr lang="en-IN"/>
           </a:p>
@@ -1734,7 +1734,7 @@
           <a:p>
             <a:fld id="{6B204C76-62AF-4A47-BD74-85C08E4F921E}" type="datetimeFigureOut">
               <a:rPr lang="en-IN" smtClean="0"/>
-              <a:t>22-06-2024</a:t>
+              <a:t>10-09-2024</a:t>
             </a:fld>
             <a:endParaRPr lang="en-IN"/>
           </a:p>
@@ -1829,7 +1829,7 @@
           <a:p>
             <a:fld id="{6B204C76-62AF-4A47-BD74-85C08E4F921E}" type="datetimeFigureOut">
               <a:rPr lang="en-IN" smtClean="0"/>
-              <a:t>22-06-2024</a:t>
+              <a:t>10-09-2024</a:t>
             </a:fld>
             <a:endParaRPr lang="en-IN"/>
           </a:p>
@@ -2106,7 +2106,7 @@
           <a:p>
             <a:fld id="{6B204C76-62AF-4A47-BD74-85C08E4F921E}" type="datetimeFigureOut">
               <a:rPr lang="en-IN" smtClean="0"/>
-              <a:t>22-06-2024</a:t>
+              <a:t>10-09-2024</a:t>
             </a:fld>
             <a:endParaRPr lang="en-IN"/>
           </a:p>
@@ -2359,7 +2359,7 @@
           <a:p>
             <a:fld id="{6B204C76-62AF-4A47-BD74-85C08E4F921E}" type="datetimeFigureOut">
               <a:rPr lang="en-IN" smtClean="0"/>
-              <a:t>22-06-2024</a:t>
+              <a:t>10-09-2024</a:t>
             </a:fld>
             <a:endParaRPr lang="en-IN"/>
           </a:p>
@@ -2572,7 +2572,7 @@
           <a:p>
             <a:fld id="{6B204C76-62AF-4A47-BD74-85C08E4F921E}" type="datetimeFigureOut">
               <a:rPr lang="en-IN" smtClean="0"/>
-              <a:t>22-06-2024</a:t>
+              <a:t>10-09-2024</a:t>
             </a:fld>
             <a:endParaRPr lang="en-IN"/>
           </a:p>
@@ -3100,7 +3100,6 @@
               <a:rPr lang="en-IN" dirty="0"/>
               <a:t>?</a:t>
             </a:r>
-            <a:endParaRPr lang="en-IN" dirty="0"/>
           </a:p>
         </p:txBody>
       </p:sp>
@@ -3349,7 +3348,23 @@
             </a:r>
             <a:r>
               <a:rPr lang="en-GB" dirty="0"/>
-              <a:t>example, Desktop </a:t>
+              <a:t>example</a:t>
+            </a:r>
+            <a:r>
+              <a:rPr lang="en-GB" dirty="0" smtClean="0"/>
+              <a:t>, Desktop Applications, </a:t>
+            </a:r>
+            <a:r>
+              <a:rPr lang="en-GB" dirty="0"/>
+              <a:t>Web </a:t>
+            </a:r>
+            <a:r>
+              <a:rPr lang="en-GB" dirty="0" smtClean="0"/>
+              <a:t>Applications, Data </a:t>
+            </a:r>
+            <a:r>
+              <a:rPr lang="en-GB" dirty="0"/>
+              <a:t>Science </a:t>
             </a:r>
             <a:r>
               <a:rPr lang="en-GB" dirty="0" smtClean="0"/>
@@ -3357,23 +3372,15 @@
             </a:r>
             <a:r>
               <a:rPr lang="en-GB" dirty="0"/>
-              <a:t>Web </a:t>
+              <a:t>Machine </a:t>
             </a:r>
             <a:r>
               <a:rPr lang="en-GB" dirty="0" smtClean="0"/>
-              <a:t>Applications, Data </a:t>
+              <a:t>learning </a:t>
             </a:r>
             <a:r>
               <a:rPr lang="en-GB" dirty="0"/>
-              <a:t>Science </a:t>
-            </a:r>
-            <a:r>
-              <a:rPr lang="en-GB" dirty="0" smtClean="0"/>
-              <a:t>Applications, </a:t>
-            </a:r>
-            <a:r>
-              <a:rPr lang="en-GB" dirty="0"/>
-              <a:t>Machine learning applications and so on. </a:t>
+              <a:t>applications and so on. </a:t>
             </a:r>
             <a:endParaRPr lang="en-GB" dirty="0" smtClean="0"/>
           </a:p>
@@ -3431,7 +3438,12 @@
             <p:ph type="title"/>
           </p:nvPr>
         </p:nvSpPr>
-        <p:spPr/>
+        <p:spPr>
+          <a:xfrm>
+            <a:off x="1055914" y="500062"/>
+            <a:ext cx="10515600" cy="1325563"/>
+          </a:xfrm>
+        </p:spPr>
         <p:txBody>
           <a:bodyPr/>
           <a:lstStyle/>
@@ -3448,7 +3460,6 @@
               <a:rPr lang="en-IN" dirty="0"/>
               <a:t>?</a:t>
             </a:r>
-            <a:endParaRPr lang="en-IN" dirty="0"/>
           </a:p>
         </p:txBody>
       </p:sp>
@@ -3649,7 +3660,6 @@
               <a:rPr lang="en-IN" dirty="0"/>
               <a:t>Python as All Rounder</a:t>
             </a:r>
-            <a:endParaRPr lang="en-IN" dirty="0"/>
           </a:p>
         </p:txBody>
       </p:sp>
@@ -3673,11 +3683,7 @@
             <a:pPr algn="just"/>
             <a:r>
               <a:rPr lang="en-GB" dirty="0" smtClean="0"/>
-              <a:t>Python can be used as </a:t>
-            </a:r>
-            <a:r>
-              <a:rPr lang="en-GB" dirty="0" smtClean="0"/>
-              <a:t>Functional </a:t>
+              <a:t>Python can be used as Functional </a:t>
             </a:r>
             <a:r>
               <a:rPr lang="en-GB" dirty="0"/>
@@ -3757,7 +3763,6 @@
               <a:rPr lang="en-GB" dirty="0" smtClean="0"/>
               <a:t>paradigms.</a:t>
             </a:r>
-            <a:endParaRPr lang="en-GB" dirty="0" smtClean="0"/>
           </a:p>
           <a:p>
             <a:pPr algn="just"/>
